--- a/Introduction_pres_BPHYS_workshop.pptx
+++ b/Introduction_pres_BPHYS_workshop.pptx
@@ -10,18 +10,6 @@
     <p:sldId id="271" r:id="rId4"/>
     <p:sldId id="258" r:id="rId5"/>
     <p:sldId id="273" r:id="rId6"/>
-    <p:sldId id="259" r:id="rId7"/>
-    <p:sldId id="260" r:id="rId8"/>
-    <p:sldId id="261" r:id="rId9"/>
-    <p:sldId id="262" r:id="rId10"/>
-    <p:sldId id="263" r:id="rId11"/>
-    <p:sldId id="264" r:id="rId12"/>
-    <p:sldId id="265" r:id="rId13"/>
-    <p:sldId id="266" r:id="rId14"/>
-    <p:sldId id="267" r:id="rId15"/>
-    <p:sldId id="268" r:id="rId16"/>
-    <p:sldId id="269" r:id="rId17"/>
-    <p:sldId id="270" r:id="rId18"/>
   </p:sldIdLst>
   <p:sldSz cx="12192000" cy="6858000"/>
   <p:notesSz cx="6858000" cy="9144000"/>
@@ -275,7 +263,7 @@
           <a:p>
             <a:fld id="{86DC44A5-D284-E24A-BD8F-568BE2235835}" type="datetimeFigureOut">
               <a:rPr lang="en-US" smtClean="0"/>
-              <a:t>10/23/22</a:t>
+              <a:t>10/25/22</a:t>
             </a:fld>
             <a:endParaRPr lang="en-US"/>
           </a:p>
@@ -566,7 +554,7 @@
           <a:p>
             <a:fld id="{86DC44A5-D284-E24A-BD8F-568BE2235835}" type="datetimeFigureOut">
               <a:rPr lang="en-US" smtClean="0"/>
-              <a:t>10/23/22</a:t>
+              <a:t>10/25/22</a:t>
             </a:fld>
             <a:endParaRPr lang="en-US"/>
           </a:p>
@@ -764,7 +752,7 @@
           <a:p>
             <a:fld id="{86DC44A5-D284-E24A-BD8F-568BE2235835}" type="datetimeFigureOut">
               <a:rPr lang="en-US" smtClean="0"/>
-              <a:t>10/23/22</a:t>
+              <a:t>10/25/22</a:t>
             </a:fld>
             <a:endParaRPr lang="en-US"/>
           </a:p>
@@ -972,7 +960,7 @@
           <a:p>
             <a:fld id="{86DC44A5-D284-E24A-BD8F-568BE2235835}" type="datetimeFigureOut">
               <a:rPr lang="en-US" smtClean="0"/>
-              <a:t>10/23/22</a:t>
+              <a:t>10/25/22</a:t>
             </a:fld>
             <a:endParaRPr lang="en-US"/>
           </a:p>
@@ -1113,7 +1101,7 @@
           <a:p>
             <a:fld id="{86DC44A5-D284-E24A-BD8F-568BE2235835}" type="datetimeFigureOut">
               <a:rPr lang="en-US" smtClean="0"/>
-              <a:t>10/23/22</a:t>
+              <a:t>10/25/22</a:t>
             </a:fld>
             <a:endParaRPr lang="en-US"/>
           </a:p>
@@ -1311,7 +1299,7 @@
           <a:p>
             <a:fld id="{86DC44A5-D284-E24A-BD8F-568BE2235835}" type="datetimeFigureOut">
               <a:rPr lang="en-US" smtClean="0"/>
-              <a:t>10/23/22</a:t>
+              <a:t>10/25/22</a:t>
             </a:fld>
             <a:endParaRPr lang="en-US"/>
           </a:p>
@@ -1586,7 +1574,7 @@
           <a:p>
             <a:fld id="{86DC44A5-D284-E24A-BD8F-568BE2235835}" type="datetimeFigureOut">
               <a:rPr lang="en-US" smtClean="0"/>
-              <a:t>10/23/22</a:t>
+              <a:t>10/25/22</a:t>
             </a:fld>
             <a:endParaRPr lang="en-US"/>
           </a:p>
@@ -1851,7 +1839,7 @@
           <a:p>
             <a:fld id="{86DC44A5-D284-E24A-BD8F-568BE2235835}" type="datetimeFigureOut">
               <a:rPr lang="en-US" smtClean="0"/>
-              <a:t>10/23/22</a:t>
+              <a:t>10/25/22</a:t>
             </a:fld>
             <a:endParaRPr lang="en-US"/>
           </a:p>
@@ -2263,7 +2251,7 @@
           <a:p>
             <a:fld id="{86DC44A5-D284-E24A-BD8F-568BE2235835}" type="datetimeFigureOut">
               <a:rPr lang="en-US" smtClean="0"/>
-              <a:t>10/23/22</a:t>
+              <a:t>10/25/22</a:t>
             </a:fld>
             <a:endParaRPr lang="en-US"/>
           </a:p>
@@ -2404,7 +2392,7 @@
           <a:p>
             <a:fld id="{86DC44A5-D284-E24A-BD8F-568BE2235835}" type="datetimeFigureOut">
               <a:rPr lang="en-US" smtClean="0"/>
-              <a:t>10/23/22</a:t>
+              <a:t>10/25/22</a:t>
             </a:fld>
             <a:endParaRPr lang="en-US"/>
           </a:p>
@@ -2517,7 +2505,7 @@
           <a:p>
             <a:fld id="{86DC44A5-D284-E24A-BD8F-568BE2235835}" type="datetimeFigureOut">
               <a:rPr lang="en-US" smtClean="0"/>
-              <a:t>10/23/22</a:t>
+              <a:t>10/25/22</a:t>
             </a:fld>
             <a:endParaRPr lang="en-US"/>
           </a:p>
@@ -2828,7 +2816,7 @@
           <a:p>
             <a:fld id="{86DC44A5-D284-E24A-BD8F-568BE2235835}" type="datetimeFigureOut">
               <a:rPr lang="en-US" smtClean="0"/>
-              <a:t>10/23/22</a:t>
+              <a:t>10/25/22</a:t>
             </a:fld>
             <a:endParaRPr lang="en-US"/>
           </a:p>
@@ -3069,7 +3057,7 @@
           <a:p>
             <a:fld id="{86DC44A5-D284-E24A-BD8F-568BE2235835}" type="datetimeFigureOut">
               <a:rPr lang="en-US" smtClean="0"/>
-              <a:t>10/23/22</a:t>
+              <a:t>10/25/22</a:t>
             </a:fld>
             <a:endParaRPr lang="en-US"/>
           </a:p>
@@ -3562,606 +3550,6 @@
 </p:sld>
 </file>
 
-<file path=ppt/slides/slide10.xml><?xml version="1.0" encoding="utf-8"?>
-<p:sld xmlns:a="http://schemas.openxmlformats.org/drawingml/2006/main" xmlns:r="http://schemas.openxmlformats.org/officeDocument/2006/relationships" xmlns:p="http://schemas.openxmlformats.org/presentationml/2006/main">
-  <p:cSld>
-    <p:spTree>
-      <p:nvGrpSpPr>
-        <p:cNvPr id="1" name=""/>
-        <p:cNvGrpSpPr/>
-        <p:nvPr/>
-      </p:nvGrpSpPr>
-      <p:grpSpPr>
-        <a:xfrm>
-          <a:off x="0" y="0"/>
-          <a:ext cx="0" cy="0"/>
-          <a:chOff x="0" y="0"/>
-          <a:chExt cx="0" cy="0"/>
-        </a:xfrm>
-      </p:grpSpPr>
-      <p:sp>
-        <p:nvSpPr>
-          <p:cNvPr id="2" name="TextBox 1">
-            <a:extLst>
-              <a:ext uri="{FF2B5EF4-FFF2-40B4-BE49-F238E27FC236}">
-                <a16:creationId xmlns:a16="http://schemas.microsoft.com/office/drawing/2014/main" id="{9C4991E7-A470-794F-998B-464CB6066C6B}"/>
-              </a:ext>
-            </a:extLst>
-          </p:cNvPr>
-          <p:cNvSpPr txBox="1"/>
-          <p:nvPr/>
-        </p:nvSpPr>
-        <p:spPr>
-          <a:xfrm>
-            <a:off x="560832" y="560832"/>
-            <a:ext cx="6710491" cy="1569660"/>
-          </a:xfrm>
-          <a:prstGeom prst="rect">
-            <a:avLst/>
-          </a:prstGeom>
-          <a:noFill/>
-        </p:spPr>
-        <p:txBody>
-          <a:bodyPr wrap="none" rtlCol="0">
-            <a:spAutoFit/>
-          </a:bodyPr>
-          <a:lstStyle/>
-          <a:p>
-            <a:pPr algn="l"/>
-            <a:r>
-              <a:rPr lang="en-US" sz="1600" dirty="0">
-                <a:latin typeface="CMU Serif Roman" panose="02000603000000000000" pitchFamily="2" charset="0"/>
-                <a:ea typeface="CMU Serif Roman" panose="02000603000000000000" pitchFamily="2" charset="0"/>
-                <a:cs typeface="CMU Serif Roman" panose="02000603000000000000" pitchFamily="2" charset="0"/>
-              </a:rPr>
-              <a:t>Now that I have normal modes now what?</a:t>
-            </a:r>
-          </a:p>
-          <a:p>
-            <a:pPr algn="l"/>
-            <a:endParaRPr lang="en-US" sz="1600" dirty="0">
-              <a:latin typeface="CMU Serif Roman" panose="02000603000000000000" pitchFamily="2" charset="0"/>
-              <a:ea typeface="CMU Serif Roman" panose="02000603000000000000" pitchFamily="2" charset="0"/>
-              <a:cs typeface="CMU Serif Roman" panose="02000603000000000000" pitchFamily="2" charset="0"/>
-            </a:endParaRPr>
-          </a:p>
-          <a:p>
-            <a:pPr algn="l"/>
-            <a:r>
-              <a:rPr lang="en-US" sz="1600" dirty="0">
-                <a:latin typeface="CMU Serif Roman" panose="02000603000000000000" pitchFamily="2" charset="0"/>
-                <a:ea typeface="CMU Serif Roman" panose="02000603000000000000" pitchFamily="2" charset="0"/>
-                <a:cs typeface="CMU Serif Roman" panose="02000603000000000000" pitchFamily="2" charset="0"/>
-              </a:rPr>
-              <a:t>Compare to B-factors of a crystal structure</a:t>
-            </a:r>
-          </a:p>
-          <a:p>
-            <a:pPr algn="l"/>
-            <a:r>
-              <a:rPr lang="en-US" sz="1600" dirty="0">
-                <a:latin typeface="CMU Serif Roman" panose="02000603000000000000" pitchFamily="2" charset="0"/>
-                <a:ea typeface="CMU Serif Roman" panose="02000603000000000000" pitchFamily="2" charset="0"/>
-                <a:cs typeface="CMU Serif Roman" panose="02000603000000000000" pitchFamily="2" charset="0"/>
-              </a:rPr>
-              <a:t>Compute modes of conformational changes between apo and </a:t>
-            </a:r>
-            <a:r>
-              <a:rPr lang="en-US" sz="1600" dirty="0" err="1">
-                <a:latin typeface="CMU Serif Roman" panose="02000603000000000000" pitchFamily="2" charset="0"/>
-                <a:ea typeface="CMU Serif Roman" panose="02000603000000000000" pitchFamily="2" charset="0"/>
-                <a:cs typeface="CMU Serif Roman" panose="02000603000000000000" pitchFamily="2" charset="0"/>
-              </a:rPr>
-              <a:t>holo</a:t>
-            </a:r>
-            <a:r>
-              <a:rPr lang="en-US" sz="1600" dirty="0">
-                <a:latin typeface="CMU Serif Roman" panose="02000603000000000000" pitchFamily="2" charset="0"/>
-                <a:ea typeface="CMU Serif Roman" panose="02000603000000000000" pitchFamily="2" charset="0"/>
-                <a:cs typeface="CMU Serif Roman" panose="02000603000000000000" pitchFamily="2" charset="0"/>
-              </a:rPr>
-              <a:t> states.</a:t>
-            </a:r>
-          </a:p>
-          <a:p>
-            <a:pPr algn="l"/>
-            <a:endParaRPr lang="en-US" sz="1600" dirty="0">
-              <a:latin typeface="CMU Serif Roman" panose="02000603000000000000" pitchFamily="2" charset="0"/>
-              <a:ea typeface="CMU Serif Roman" panose="02000603000000000000" pitchFamily="2" charset="0"/>
-              <a:cs typeface="CMU Serif Roman" panose="02000603000000000000" pitchFamily="2" charset="0"/>
-            </a:endParaRPr>
-          </a:p>
-          <a:p>
-            <a:pPr algn="l"/>
-            <a:endParaRPr lang="en-US" sz="1600" dirty="0">
-              <a:latin typeface="CMU Serif Roman" panose="02000603000000000000" pitchFamily="2" charset="0"/>
-              <a:ea typeface="CMU Serif Roman" panose="02000603000000000000" pitchFamily="2" charset="0"/>
-              <a:cs typeface="CMU Serif Roman" panose="02000603000000000000" pitchFamily="2" charset="0"/>
-            </a:endParaRPr>
-          </a:p>
-        </p:txBody>
-      </p:sp>
-    </p:spTree>
-    <p:extLst>
-      <p:ext uri="{BB962C8B-B14F-4D97-AF65-F5344CB8AC3E}">
-        <p14:creationId xmlns:p14="http://schemas.microsoft.com/office/powerpoint/2010/main" val="2114468124"/>
-      </p:ext>
-    </p:extLst>
-  </p:cSld>
-  <p:clrMapOvr>
-    <a:masterClrMapping/>
-  </p:clrMapOvr>
-</p:sld>
-</file>
-
-<file path=ppt/slides/slide11.xml><?xml version="1.0" encoding="utf-8"?>
-<p:sld xmlns:a="http://schemas.openxmlformats.org/drawingml/2006/main" xmlns:r="http://schemas.openxmlformats.org/officeDocument/2006/relationships" xmlns:p="http://schemas.openxmlformats.org/presentationml/2006/main">
-  <p:cSld>
-    <p:spTree>
-      <p:nvGrpSpPr>
-        <p:cNvPr id="1" name=""/>
-        <p:cNvGrpSpPr/>
-        <p:nvPr/>
-      </p:nvGrpSpPr>
-      <p:grpSpPr>
-        <a:xfrm>
-          <a:off x="0" y="0"/>
-          <a:ext cx="0" cy="0"/>
-          <a:chOff x="0" y="0"/>
-          <a:chExt cx="0" cy="0"/>
-        </a:xfrm>
-      </p:grpSpPr>
-      <p:sp>
-        <p:nvSpPr>
-          <p:cNvPr id="2" name="TextBox 1">
-            <a:extLst>
-              <a:ext uri="{FF2B5EF4-FFF2-40B4-BE49-F238E27FC236}">
-                <a16:creationId xmlns:a16="http://schemas.microsoft.com/office/drawing/2014/main" id="{35E3D06D-8C4B-EA4E-B37C-5F616B4B3040}"/>
-              </a:ext>
-            </a:extLst>
-          </p:cNvPr>
-          <p:cNvSpPr txBox="1"/>
-          <p:nvPr/>
-        </p:nvSpPr>
-        <p:spPr>
-          <a:xfrm>
-            <a:off x="536448" y="451104"/>
-            <a:ext cx="7802136" cy="4031873"/>
-          </a:xfrm>
-          <a:prstGeom prst="rect">
-            <a:avLst/>
-          </a:prstGeom>
-          <a:noFill/>
-        </p:spPr>
-        <p:txBody>
-          <a:bodyPr wrap="none" rtlCol="0">
-            <a:spAutoFit/>
-          </a:bodyPr>
-          <a:lstStyle/>
-          <a:p>
-            <a:pPr algn="l"/>
-            <a:r>
-              <a:rPr lang="en-US" sz="1600" dirty="0">
-                <a:latin typeface="CMU Serif Roman" panose="02000603000000000000" pitchFamily="2" charset="0"/>
-                <a:ea typeface="CMU Serif Roman" panose="02000603000000000000" pitchFamily="2" charset="0"/>
-                <a:cs typeface="CMU Serif Roman" panose="02000603000000000000" pitchFamily="2" charset="0"/>
-              </a:rPr>
-              <a:t>Our model: Evolve elastic networks selecting for allostery. (following </a:t>
-            </a:r>
-            <a:r>
-              <a:rPr lang="en-US" sz="1600" dirty="0" err="1">
-                <a:latin typeface="CMU Serif Roman" panose="02000603000000000000" pitchFamily="2" charset="0"/>
-                <a:ea typeface="CMU Serif Roman" panose="02000603000000000000" pitchFamily="2" charset="0"/>
-                <a:cs typeface="CMU Serif Roman" panose="02000603000000000000" pitchFamily="2" charset="0"/>
-              </a:rPr>
-              <a:t>riccardos</a:t>
-            </a:r>
-            <a:r>
-              <a:rPr lang="en-US" sz="1600" dirty="0">
-                <a:latin typeface="CMU Serif Roman" panose="02000603000000000000" pitchFamily="2" charset="0"/>
-                <a:ea typeface="CMU Serif Roman" panose="02000603000000000000" pitchFamily="2" charset="0"/>
-                <a:cs typeface="CMU Serif Roman" panose="02000603000000000000" pitchFamily="2" charset="0"/>
-              </a:rPr>
-              <a:t> work)</a:t>
-            </a:r>
-          </a:p>
-          <a:p>
-            <a:pPr algn="l"/>
-            <a:endParaRPr lang="en-US" sz="1600" dirty="0">
-              <a:latin typeface="CMU Serif Roman" panose="02000603000000000000" pitchFamily="2" charset="0"/>
-              <a:ea typeface="CMU Serif Roman" panose="02000603000000000000" pitchFamily="2" charset="0"/>
-              <a:cs typeface="CMU Serif Roman" panose="02000603000000000000" pitchFamily="2" charset="0"/>
-            </a:endParaRPr>
-          </a:p>
-          <a:p>
-            <a:pPr algn="l"/>
-            <a:endParaRPr lang="en-US" sz="1600" dirty="0">
-              <a:latin typeface="CMU Serif Roman" panose="02000603000000000000" pitchFamily="2" charset="0"/>
-              <a:ea typeface="CMU Serif Roman" panose="02000603000000000000" pitchFamily="2" charset="0"/>
-              <a:cs typeface="CMU Serif Roman" panose="02000603000000000000" pitchFamily="2" charset="0"/>
-            </a:endParaRPr>
-          </a:p>
-          <a:p>
-            <a:pPr algn="l"/>
-            <a:r>
-              <a:rPr lang="en-US" sz="1600" dirty="0">
-                <a:latin typeface="CMU Serif Roman" panose="02000603000000000000" pitchFamily="2" charset="0"/>
-                <a:ea typeface="CMU Serif Roman" panose="02000603000000000000" pitchFamily="2" charset="0"/>
-                <a:cs typeface="CMU Serif Roman" panose="02000603000000000000" pitchFamily="2" charset="0"/>
-              </a:rPr>
-              <a:t>A visualization of what it will look like</a:t>
-            </a:r>
-          </a:p>
-          <a:p>
-            <a:pPr algn="l"/>
-            <a:endParaRPr lang="en-US" sz="1600" dirty="0">
-              <a:latin typeface="CMU Serif Roman" panose="02000603000000000000" pitchFamily="2" charset="0"/>
-              <a:ea typeface="CMU Serif Roman" panose="02000603000000000000" pitchFamily="2" charset="0"/>
-              <a:cs typeface="CMU Serif Roman" panose="02000603000000000000" pitchFamily="2" charset="0"/>
-            </a:endParaRPr>
-          </a:p>
-          <a:p>
-            <a:pPr marL="342900" indent="-342900" algn="l">
-              <a:buAutoNum type="arabicPeriod"/>
-            </a:pPr>
-            <a:r>
-              <a:rPr lang="en-US" sz="1600" dirty="0">
-                <a:latin typeface="CMU Serif Roman" panose="02000603000000000000" pitchFamily="2" charset="0"/>
-                <a:ea typeface="CMU Serif Roman" panose="02000603000000000000" pitchFamily="2" charset="0"/>
-                <a:cs typeface="CMU Serif Roman" panose="02000603000000000000" pitchFamily="2" charset="0"/>
-              </a:rPr>
-              <a:t>Elastic network with a sequence and K</a:t>
-            </a:r>
-          </a:p>
-          <a:p>
-            <a:pPr marL="342900" indent="-342900" algn="l">
-              <a:buAutoNum type="arabicPeriod"/>
-            </a:pPr>
-            <a:r>
-              <a:rPr lang="en-US" sz="1600" dirty="0">
-                <a:latin typeface="CMU Serif Roman" panose="02000603000000000000" pitchFamily="2" charset="0"/>
-                <a:ea typeface="CMU Serif Roman" panose="02000603000000000000" pitchFamily="2" charset="0"/>
-                <a:cs typeface="CMU Serif Roman" panose="02000603000000000000" pitchFamily="2" charset="0"/>
-              </a:rPr>
-              <a:t>Elastic network with spring constants painted on structure</a:t>
-            </a:r>
-          </a:p>
-          <a:p>
-            <a:pPr marL="342900" indent="-342900" algn="l">
-              <a:buAutoNum type="arabicPeriod"/>
-            </a:pPr>
-            <a:r>
-              <a:rPr lang="en-US" sz="1600" dirty="0">
-                <a:latin typeface="CMU Serif Roman" panose="02000603000000000000" pitchFamily="2" charset="0"/>
-                <a:ea typeface="CMU Serif Roman" panose="02000603000000000000" pitchFamily="2" charset="0"/>
-                <a:cs typeface="CMU Serif Roman" panose="02000603000000000000" pitchFamily="2" charset="0"/>
-              </a:rPr>
-              <a:t>Apply strains at active and allosteric site</a:t>
-            </a:r>
-          </a:p>
-          <a:p>
-            <a:pPr marL="342900" indent="-342900" algn="l">
-              <a:buAutoNum type="arabicPeriod"/>
-            </a:pPr>
-            <a:r>
-              <a:rPr lang="en-US" sz="1600" dirty="0">
-                <a:latin typeface="CMU Serif Roman" panose="02000603000000000000" pitchFamily="2" charset="0"/>
-                <a:ea typeface="CMU Serif Roman" panose="02000603000000000000" pitchFamily="2" charset="0"/>
-                <a:cs typeface="CMU Serif Roman" panose="02000603000000000000" pitchFamily="2" charset="0"/>
-              </a:rPr>
-              <a:t>Compute allostery set it as fitness </a:t>
-            </a:r>
-          </a:p>
-          <a:p>
-            <a:pPr marL="342900" indent="-342900" algn="l">
-              <a:buAutoNum type="arabicPeriod"/>
-            </a:pPr>
-            <a:r>
-              <a:rPr lang="en-US" sz="1600" dirty="0">
-                <a:latin typeface="CMU Serif Roman" panose="02000603000000000000" pitchFamily="2" charset="0"/>
-                <a:ea typeface="CMU Serif Roman" panose="02000603000000000000" pitchFamily="2" charset="0"/>
-                <a:cs typeface="CMU Serif Roman" panose="02000603000000000000" pitchFamily="2" charset="0"/>
-              </a:rPr>
-              <a:t>evolve</a:t>
-            </a:r>
-          </a:p>
-          <a:p>
-            <a:pPr algn="l"/>
-            <a:endParaRPr lang="en-US" sz="1600" dirty="0">
-              <a:latin typeface="CMU Serif Roman" panose="02000603000000000000" pitchFamily="2" charset="0"/>
-              <a:ea typeface="CMU Serif Roman" panose="02000603000000000000" pitchFamily="2" charset="0"/>
-              <a:cs typeface="CMU Serif Roman" panose="02000603000000000000" pitchFamily="2" charset="0"/>
-            </a:endParaRPr>
-          </a:p>
-          <a:p>
-            <a:pPr marL="342900" indent="-342900" algn="l">
-              <a:buAutoNum type="arabicPeriod"/>
-            </a:pPr>
-            <a:r>
-              <a:rPr lang="en-US" sz="1600" dirty="0">
-                <a:latin typeface="CMU Serif Roman" panose="02000603000000000000" pitchFamily="2" charset="0"/>
-                <a:ea typeface="CMU Serif Roman" panose="02000603000000000000" pitchFamily="2" charset="0"/>
-                <a:cs typeface="CMU Serif Roman" panose="02000603000000000000" pitchFamily="2" charset="0"/>
-              </a:rPr>
-              <a:t>Building the model.</a:t>
-            </a:r>
-          </a:p>
-          <a:p>
-            <a:pPr marL="342900" indent="-342900" algn="l">
-              <a:buAutoNum type="arabicPeriod"/>
-            </a:pPr>
-            <a:r>
-              <a:rPr lang="en-US" sz="1600" dirty="0" err="1">
-                <a:latin typeface="CMU Serif Roman" panose="02000603000000000000" pitchFamily="2" charset="0"/>
-                <a:ea typeface="CMU Serif Roman" panose="02000603000000000000" pitchFamily="2" charset="0"/>
-                <a:cs typeface="CMU Serif Roman" panose="02000603000000000000" pitchFamily="2" charset="0"/>
-              </a:rPr>
-              <a:t>Computeing</a:t>
-            </a:r>
-            <a:r>
-              <a:rPr lang="en-US" sz="1600" dirty="0">
-                <a:latin typeface="CMU Serif Roman" panose="02000603000000000000" pitchFamily="2" charset="0"/>
-                <a:ea typeface="CMU Serif Roman" panose="02000603000000000000" pitchFamily="2" charset="0"/>
-                <a:cs typeface="CMU Serif Roman" panose="02000603000000000000" pitchFamily="2" charset="0"/>
-              </a:rPr>
-              <a:t> the hessian matrix</a:t>
-            </a:r>
-          </a:p>
-          <a:p>
-            <a:pPr marL="342900" indent="-342900" algn="l">
-              <a:buAutoNum type="arabicPeriod"/>
-            </a:pPr>
-            <a:r>
-              <a:rPr lang="en-US" sz="1600" dirty="0" err="1">
-                <a:latin typeface="CMU Serif Roman" panose="02000603000000000000" pitchFamily="2" charset="0"/>
-                <a:ea typeface="CMU Serif Roman" panose="02000603000000000000" pitchFamily="2" charset="0"/>
-                <a:cs typeface="CMU Serif Roman" panose="02000603000000000000" pitchFamily="2" charset="0"/>
-              </a:rPr>
-              <a:t>Computeing</a:t>
-            </a:r>
-            <a:r>
-              <a:rPr lang="en-US" sz="1600" dirty="0">
-                <a:latin typeface="CMU Serif Roman" panose="02000603000000000000" pitchFamily="2" charset="0"/>
-                <a:ea typeface="CMU Serif Roman" panose="02000603000000000000" pitchFamily="2" charset="0"/>
-                <a:cs typeface="CMU Serif Roman" panose="02000603000000000000" pitchFamily="2" charset="0"/>
-              </a:rPr>
-              <a:t> response</a:t>
-            </a:r>
-          </a:p>
-          <a:p>
-            <a:pPr marL="342900" indent="-342900" algn="l">
-              <a:buAutoNum type="arabicPeriod"/>
-            </a:pPr>
-            <a:r>
-              <a:rPr lang="en-US" sz="1600" dirty="0" err="1">
-                <a:latin typeface="CMU Serif Roman" panose="02000603000000000000" pitchFamily="2" charset="0"/>
-                <a:ea typeface="CMU Serif Roman" panose="02000603000000000000" pitchFamily="2" charset="0"/>
-                <a:cs typeface="CMU Serif Roman" panose="02000603000000000000" pitchFamily="2" charset="0"/>
-              </a:rPr>
-              <a:t>Computeing</a:t>
-            </a:r>
-            <a:r>
-              <a:rPr lang="en-US" sz="1600" dirty="0">
-                <a:latin typeface="CMU Serif Roman" panose="02000603000000000000" pitchFamily="2" charset="0"/>
-                <a:ea typeface="CMU Serif Roman" panose="02000603000000000000" pitchFamily="2" charset="0"/>
-                <a:cs typeface="CMU Serif Roman" panose="02000603000000000000" pitchFamily="2" charset="0"/>
-              </a:rPr>
-              <a:t> allostery</a:t>
-            </a:r>
-          </a:p>
-          <a:p>
-            <a:pPr marL="342900" indent="-342900" algn="l">
-              <a:buAutoNum type="arabicPeriod"/>
-            </a:pPr>
-            <a:r>
-              <a:rPr lang="en-US" sz="1600">
-                <a:latin typeface="CMU Serif Roman" panose="02000603000000000000" pitchFamily="2" charset="0"/>
-                <a:ea typeface="CMU Serif Roman" panose="02000603000000000000" pitchFamily="2" charset="0"/>
-                <a:cs typeface="CMU Serif Roman" panose="02000603000000000000" pitchFamily="2" charset="0"/>
-              </a:rPr>
-              <a:t>Evolving the model.</a:t>
-            </a:r>
-            <a:endParaRPr lang="en-US" sz="1600" dirty="0">
-              <a:latin typeface="CMU Serif Roman" panose="02000603000000000000" pitchFamily="2" charset="0"/>
-              <a:ea typeface="CMU Serif Roman" panose="02000603000000000000" pitchFamily="2" charset="0"/>
-              <a:cs typeface="CMU Serif Roman" panose="02000603000000000000" pitchFamily="2" charset="0"/>
-            </a:endParaRPr>
-          </a:p>
-        </p:txBody>
-      </p:sp>
-    </p:spTree>
-    <p:extLst>
-      <p:ext uri="{BB962C8B-B14F-4D97-AF65-F5344CB8AC3E}">
-        <p14:creationId xmlns:p14="http://schemas.microsoft.com/office/powerpoint/2010/main" val="1700965456"/>
-      </p:ext>
-    </p:extLst>
-  </p:cSld>
-  <p:clrMapOvr>
-    <a:masterClrMapping/>
-  </p:clrMapOvr>
-</p:sld>
-</file>
-
-<file path=ppt/slides/slide12.xml><?xml version="1.0" encoding="utf-8"?>
-<p:sld xmlns:a="http://schemas.openxmlformats.org/drawingml/2006/main" xmlns:r="http://schemas.openxmlformats.org/officeDocument/2006/relationships" xmlns:p="http://schemas.openxmlformats.org/presentationml/2006/main">
-  <p:cSld>
-    <p:spTree>
-      <p:nvGrpSpPr>
-        <p:cNvPr id="1" name=""/>
-        <p:cNvGrpSpPr/>
-        <p:nvPr/>
-      </p:nvGrpSpPr>
-      <p:grpSpPr>
-        <a:xfrm>
-          <a:off x="0" y="0"/>
-          <a:ext cx="0" cy="0"/>
-          <a:chOff x="0" y="0"/>
-          <a:chExt cx="0" cy="0"/>
-        </a:xfrm>
-      </p:grpSpPr>
-    </p:spTree>
-    <p:extLst>
-      <p:ext uri="{BB962C8B-B14F-4D97-AF65-F5344CB8AC3E}">
-        <p14:creationId xmlns:p14="http://schemas.microsoft.com/office/powerpoint/2010/main" val="744795620"/>
-      </p:ext>
-    </p:extLst>
-  </p:cSld>
-  <p:clrMapOvr>
-    <a:masterClrMapping/>
-  </p:clrMapOvr>
-</p:sld>
-</file>
-
-<file path=ppt/slides/slide13.xml><?xml version="1.0" encoding="utf-8"?>
-<p:sld xmlns:a="http://schemas.openxmlformats.org/drawingml/2006/main" xmlns:r="http://schemas.openxmlformats.org/officeDocument/2006/relationships" xmlns:p="http://schemas.openxmlformats.org/presentationml/2006/main">
-  <p:cSld>
-    <p:spTree>
-      <p:nvGrpSpPr>
-        <p:cNvPr id="1" name=""/>
-        <p:cNvGrpSpPr/>
-        <p:nvPr/>
-      </p:nvGrpSpPr>
-      <p:grpSpPr>
-        <a:xfrm>
-          <a:off x="0" y="0"/>
-          <a:ext cx="0" cy="0"/>
-          <a:chOff x="0" y="0"/>
-          <a:chExt cx="0" cy="0"/>
-        </a:xfrm>
-      </p:grpSpPr>
-    </p:spTree>
-    <p:extLst>
-      <p:ext uri="{BB962C8B-B14F-4D97-AF65-F5344CB8AC3E}">
-        <p14:creationId xmlns:p14="http://schemas.microsoft.com/office/powerpoint/2010/main" val="3499268221"/>
-      </p:ext>
-    </p:extLst>
-  </p:cSld>
-  <p:clrMapOvr>
-    <a:masterClrMapping/>
-  </p:clrMapOvr>
-</p:sld>
-</file>
-
-<file path=ppt/slides/slide14.xml><?xml version="1.0" encoding="utf-8"?>
-<p:sld xmlns:a="http://schemas.openxmlformats.org/drawingml/2006/main" xmlns:r="http://schemas.openxmlformats.org/officeDocument/2006/relationships" xmlns:p="http://schemas.openxmlformats.org/presentationml/2006/main">
-  <p:cSld>
-    <p:spTree>
-      <p:nvGrpSpPr>
-        <p:cNvPr id="1" name=""/>
-        <p:cNvGrpSpPr/>
-        <p:nvPr/>
-      </p:nvGrpSpPr>
-      <p:grpSpPr>
-        <a:xfrm>
-          <a:off x="0" y="0"/>
-          <a:ext cx="0" cy="0"/>
-          <a:chOff x="0" y="0"/>
-          <a:chExt cx="0" cy="0"/>
-        </a:xfrm>
-      </p:grpSpPr>
-    </p:spTree>
-    <p:extLst>
-      <p:ext uri="{BB962C8B-B14F-4D97-AF65-F5344CB8AC3E}">
-        <p14:creationId xmlns:p14="http://schemas.microsoft.com/office/powerpoint/2010/main" val="3255760012"/>
-      </p:ext>
-    </p:extLst>
-  </p:cSld>
-  <p:clrMapOvr>
-    <a:masterClrMapping/>
-  </p:clrMapOvr>
-</p:sld>
-</file>
-
-<file path=ppt/slides/slide15.xml><?xml version="1.0" encoding="utf-8"?>
-<p:sld xmlns:a="http://schemas.openxmlformats.org/drawingml/2006/main" xmlns:r="http://schemas.openxmlformats.org/officeDocument/2006/relationships" xmlns:p="http://schemas.openxmlformats.org/presentationml/2006/main">
-  <p:cSld>
-    <p:spTree>
-      <p:nvGrpSpPr>
-        <p:cNvPr id="1" name=""/>
-        <p:cNvGrpSpPr/>
-        <p:nvPr/>
-      </p:nvGrpSpPr>
-      <p:grpSpPr>
-        <a:xfrm>
-          <a:off x="0" y="0"/>
-          <a:ext cx="0" cy="0"/>
-          <a:chOff x="0" y="0"/>
-          <a:chExt cx="0" cy="0"/>
-        </a:xfrm>
-      </p:grpSpPr>
-    </p:spTree>
-    <p:extLst>
-      <p:ext uri="{BB962C8B-B14F-4D97-AF65-F5344CB8AC3E}">
-        <p14:creationId xmlns:p14="http://schemas.microsoft.com/office/powerpoint/2010/main" val="2616232278"/>
-      </p:ext>
-    </p:extLst>
-  </p:cSld>
-  <p:clrMapOvr>
-    <a:masterClrMapping/>
-  </p:clrMapOvr>
-</p:sld>
-</file>
-
-<file path=ppt/slides/slide16.xml><?xml version="1.0" encoding="utf-8"?>
-<p:sld xmlns:a="http://schemas.openxmlformats.org/drawingml/2006/main" xmlns:r="http://schemas.openxmlformats.org/officeDocument/2006/relationships" xmlns:p="http://schemas.openxmlformats.org/presentationml/2006/main">
-  <p:cSld>
-    <p:spTree>
-      <p:nvGrpSpPr>
-        <p:cNvPr id="1" name=""/>
-        <p:cNvGrpSpPr/>
-        <p:nvPr/>
-      </p:nvGrpSpPr>
-      <p:grpSpPr>
-        <a:xfrm>
-          <a:off x="0" y="0"/>
-          <a:ext cx="0" cy="0"/>
-          <a:chOff x="0" y="0"/>
-          <a:chExt cx="0" cy="0"/>
-        </a:xfrm>
-      </p:grpSpPr>
-    </p:spTree>
-    <p:extLst>
-      <p:ext uri="{BB962C8B-B14F-4D97-AF65-F5344CB8AC3E}">
-        <p14:creationId xmlns:p14="http://schemas.microsoft.com/office/powerpoint/2010/main" val="1362401895"/>
-      </p:ext>
-    </p:extLst>
-  </p:cSld>
-  <p:clrMapOvr>
-    <a:masterClrMapping/>
-  </p:clrMapOvr>
-</p:sld>
-</file>
-
-<file path=ppt/slides/slide17.xml><?xml version="1.0" encoding="utf-8"?>
-<p:sld xmlns:a="http://schemas.openxmlformats.org/drawingml/2006/main" xmlns:r="http://schemas.openxmlformats.org/officeDocument/2006/relationships" xmlns:p="http://schemas.openxmlformats.org/presentationml/2006/main">
-  <p:cSld>
-    <p:spTree>
-      <p:nvGrpSpPr>
-        <p:cNvPr id="1" name=""/>
-        <p:cNvGrpSpPr/>
-        <p:nvPr/>
-      </p:nvGrpSpPr>
-      <p:grpSpPr>
-        <a:xfrm>
-          <a:off x="0" y="0"/>
-          <a:ext cx="0" cy="0"/>
-          <a:chOff x="0" y="0"/>
-          <a:chExt cx="0" cy="0"/>
-        </a:xfrm>
-      </p:grpSpPr>
-    </p:spTree>
-    <p:extLst>
-      <p:ext uri="{BB962C8B-B14F-4D97-AF65-F5344CB8AC3E}">
-        <p14:creationId xmlns:p14="http://schemas.microsoft.com/office/powerpoint/2010/main" val="3336794016"/>
-      </p:ext>
-    </p:extLst>
-  </p:cSld>
-  <p:clrMapOvr>
-    <a:masterClrMapping/>
-  </p:clrMapOvr>
-</p:sld>
-</file>
-
 <file path=ppt/slides/slide2.xml><?xml version="1.0" encoding="utf-8"?>
 <p:sld xmlns:a="http://schemas.openxmlformats.org/drawingml/2006/main" xmlns:r="http://schemas.openxmlformats.org/officeDocument/2006/relationships" xmlns:p="http://schemas.openxmlformats.org/presentationml/2006/main">
   <p:cSld>
@@ -4488,7 +3876,7 @@
                 <a:ea typeface="CMU Serif Roman" panose="02000603000000000000" pitchFamily="2" charset="0"/>
                 <a:cs typeface="CMU Serif Roman" panose="02000603000000000000" pitchFamily="2" charset="0"/>
               </a:rPr>
-              <a:t>1. Highly expressed proteins evolve slowly.”  -D.A. Drummond (2005).</a:t>
+              <a:t>1. “Highly expressed proteins evolve slowly”  -D.A. Drummond (2005).</a:t>
             </a:r>
           </a:p>
           <a:p>
@@ -5147,7 +4535,7 @@
         <p:spPr>
           <a:xfrm>
             <a:off x="950976" y="552349"/>
-            <a:ext cx="9473184" cy="4524315"/>
+            <a:ext cx="10131552" cy="1990288"/>
           </a:xfrm>
           <a:prstGeom prst="rect">
             <a:avLst/>
@@ -5177,6 +4565,9 @@
           </a:p>
           <a:p>
             <a:pPr marL="342900" indent="-342900">
+              <a:spcAft>
+                <a:spcPts val="2000"/>
+              </a:spcAft>
               <a:buFont typeface="+mj-lt"/>
               <a:buAutoNum type="arabicPeriod"/>
             </a:pPr>
@@ -5191,6 +4582,9 @@
           </a:p>
           <a:p>
             <a:pPr marL="342900" indent="-342900">
+              <a:spcAft>
+                <a:spcPts val="2000"/>
+              </a:spcAft>
               <a:buFont typeface="+mj-lt"/>
               <a:buAutoNum type="arabicPeriod"/>
             </a:pPr>
@@ -5205,6 +4599,9 @@
           </a:p>
           <a:p>
             <a:pPr marL="342900" indent="-342900">
+              <a:spcAft>
+                <a:spcPts val="2000"/>
+              </a:spcAft>
               <a:buFont typeface="+mj-lt"/>
               <a:buAutoNum type="arabicPeriod"/>
             </a:pPr>
@@ -5217,120 +4614,116 @@
               <a:t>Simulate evolution, selecting for allostery using a Metropolis Monte Carlo algorithm.</a:t>
             </a:r>
           </a:p>
-          <a:p>
-            <a:endParaRPr lang="en-US" dirty="0">
-              <a:latin typeface="CMU Serif Roman" panose="02000603000000000000" pitchFamily="2" charset="0"/>
-              <a:ea typeface="CMU Serif Roman" panose="02000603000000000000" pitchFamily="2" charset="0"/>
-              <a:cs typeface="CMU Serif Roman" panose="02000603000000000000" pitchFamily="2" charset="0"/>
-            </a:endParaRPr>
-          </a:p>
-          <a:p>
-            <a:endParaRPr lang="en-US" dirty="0">
-              <a:latin typeface="CMU Serif Roman" panose="02000603000000000000" pitchFamily="2" charset="0"/>
-              <a:ea typeface="CMU Serif Roman" panose="02000603000000000000" pitchFamily="2" charset="0"/>
-              <a:cs typeface="CMU Serif Roman" panose="02000603000000000000" pitchFamily="2" charset="0"/>
-            </a:endParaRPr>
-          </a:p>
-          <a:p>
-            <a:r>
-              <a:rPr lang="en-US" dirty="0">
-                <a:latin typeface="CMU Serif Roman" panose="02000603000000000000" pitchFamily="2" charset="0"/>
-                <a:ea typeface="CMU Serif Roman" panose="02000603000000000000" pitchFamily="2" charset="0"/>
-                <a:cs typeface="CMU Serif Roman" panose="02000603000000000000" pitchFamily="2" charset="0"/>
-              </a:rPr>
-              <a:t>Along the way we are going to learn how to write</a:t>
-            </a:r>
-          </a:p>
-          <a:p>
-            <a:endParaRPr lang="en-US" dirty="0">
-              <a:latin typeface="CMU Serif Roman" panose="02000603000000000000" pitchFamily="2" charset="0"/>
-              <a:ea typeface="CMU Serif Roman" panose="02000603000000000000" pitchFamily="2" charset="0"/>
-              <a:cs typeface="CMU Serif Roman" panose="02000603000000000000" pitchFamily="2" charset="0"/>
-            </a:endParaRPr>
-          </a:p>
-          <a:p>
-            <a:pPr marL="285750" indent="-285750">
-              <a:buFont typeface="Arial" panose="020B0604020202020204" pitchFamily="34" charset="0"/>
-              <a:buChar char="•"/>
-            </a:pPr>
-            <a:r>
-              <a:rPr lang="en-US" dirty="0">
-                <a:latin typeface="CMU Serif Roman" panose="02000603000000000000" pitchFamily="2" charset="0"/>
-                <a:ea typeface="CMU Serif Roman" panose="02000603000000000000" pitchFamily="2" charset="0"/>
-                <a:cs typeface="CMU Serif Roman" panose="02000603000000000000" pitchFamily="2" charset="0"/>
-              </a:rPr>
-              <a:t>Learn the basics to a computer architecture.</a:t>
-            </a:r>
-          </a:p>
-          <a:p>
-            <a:pPr marL="285750" indent="-285750">
-              <a:buFont typeface="Arial" panose="020B0604020202020204" pitchFamily="34" charset="0"/>
-              <a:buChar char="•"/>
-            </a:pPr>
-            <a:r>
-              <a:rPr lang="en-US" dirty="0">
-                <a:latin typeface="CMU Serif Roman" panose="02000603000000000000" pitchFamily="2" charset="0"/>
-                <a:ea typeface="CMU Serif Roman" panose="02000603000000000000" pitchFamily="2" charset="0"/>
-                <a:cs typeface="CMU Serif Roman" panose="02000603000000000000" pitchFamily="2" charset="0"/>
-              </a:rPr>
-              <a:t>Be exposed to the Julia language.</a:t>
-            </a:r>
-          </a:p>
-          <a:p>
-            <a:pPr marL="285750" indent="-285750">
-              <a:buFont typeface="Arial" panose="020B0604020202020204" pitchFamily="34" charset="0"/>
-              <a:buChar char="•"/>
-            </a:pPr>
-            <a:r>
-              <a:rPr lang="en-US" dirty="0">
-                <a:latin typeface="CMU Serif Roman" panose="02000603000000000000" pitchFamily="2" charset="0"/>
-                <a:ea typeface="CMU Serif Roman" panose="02000603000000000000" pitchFamily="2" charset="0"/>
-                <a:cs typeface="CMU Serif Roman" panose="02000603000000000000" pitchFamily="2" charset="0"/>
-              </a:rPr>
-              <a:t>Learn how to write very fast code.</a:t>
-            </a:r>
-          </a:p>
-          <a:p>
-            <a:pPr marL="285750" indent="-285750">
-              <a:buFont typeface="Arial" panose="020B0604020202020204" pitchFamily="34" charset="0"/>
-              <a:buChar char="•"/>
-            </a:pPr>
-            <a:r>
-              <a:rPr lang="en-US" dirty="0">
-                <a:latin typeface="CMU Serif Roman" panose="02000603000000000000" pitchFamily="2" charset="0"/>
-                <a:ea typeface="CMU Serif Roman" panose="02000603000000000000" pitchFamily="2" charset="0"/>
-                <a:cs typeface="CMU Serif Roman" panose="02000603000000000000" pitchFamily="2" charset="0"/>
-              </a:rPr>
-              <a:t> to implement simples models in silico.</a:t>
-            </a:r>
-          </a:p>
-          <a:p>
-            <a:pPr marL="285750" indent="-285750">
-              <a:buFont typeface="Arial" panose="020B0604020202020204" pitchFamily="34" charset="0"/>
-              <a:buChar char="•"/>
-            </a:pPr>
-            <a:endParaRPr lang="en-US" dirty="0">
-              <a:latin typeface="CMU Serif Roman" panose="02000603000000000000" pitchFamily="2" charset="0"/>
-              <a:ea typeface="CMU Serif Roman" panose="02000603000000000000" pitchFamily="2" charset="0"/>
-              <a:cs typeface="CMU Serif Roman" panose="02000603000000000000" pitchFamily="2" charset="0"/>
-            </a:endParaRPr>
-          </a:p>
-          <a:p>
-            <a:endParaRPr lang="en-US" dirty="0">
-              <a:latin typeface="CMU Serif Roman" panose="02000603000000000000" pitchFamily="2" charset="0"/>
-              <a:ea typeface="CMU Serif Roman" panose="02000603000000000000" pitchFamily="2" charset="0"/>
-              <a:cs typeface="CMU Serif Roman" panose="02000603000000000000" pitchFamily="2" charset="0"/>
-            </a:endParaRPr>
-          </a:p>
-          <a:p>
-            <a:endParaRPr lang="en-US" dirty="0">
-              <a:latin typeface="CMU Serif Roman" panose="02000603000000000000" pitchFamily="2" charset="0"/>
-              <a:ea typeface="CMU Serif Roman" panose="02000603000000000000" pitchFamily="2" charset="0"/>
-              <a:cs typeface="CMU Serif Roman" panose="02000603000000000000" pitchFamily="2" charset="0"/>
-            </a:endParaRPr>
-          </a:p>
-        </p:txBody>
-      </p:sp>
+        </p:txBody>
+      </p:sp>
+      <p:pic>
+        <p:nvPicPr>
+          <p:cNvPr id="8" name="Graphic 7">
+            <a:extLst>
+              <a:ext uri="{FF2B5EF4-FFF2-40B4-BE49-F238E27FC236}">
+                <a16:creationId xmlns:a16="http://schemas.microsoft.com/office/drawing/2014/main" id="{EBB6EF40-45B6-3C44-95C3-80B9AEAA80D9}"/>
+              </a:ext>
+            </a:extLst>
+          </p:cNvPr>
+          <p:cNvPicPr>
+            <a:picLocks noChangeAspect="1"/>
+          </p:cNvPicPr>
+          <p:nvPr/>
+        </p:nvPicPr>
+        <p:blipFill>
+          <a:blip r:embed="rId2">
+            <a:extLst>
+              <a:ext uri="{96DAC541-7B7A-43D3-8B79-37D633B846F1}">
+                <asvg:svgBlip xmlns:asvg="http://schemas.microsoft.com/office/drawing/2016/SVG/main" r:embed="rId3"/>
+              </a:ext>
+            </a:extLst>
+          </a:blip>
+          <a:stretch>
+            <a:fillRect/>
+          </a:stretch>
+        </p:blipFill>
+        <p:spPr>
+          <a:xfrm>
+            <a:off x="4093722" y="3257183"/>
+            <a:ext cx="3159580" cy="1997193"/>
+          </a:xfrm>
+          <a:prstGeom prst="rect">
+            <a:avLst/>
+          </a:prstGeom>
+        </p:spPr>
+      </p:pic>
+      <p:pic>
+        <p:nvPicPr>
+          <p:cNvPr id="10" name="Graphic 9">
+            <a:extLst>
+              <a:ext uri="{FF2B5EF4-FFF2-40B4-BE49-F238E27FC236}">
+                <a16:creationId xmlns:a16="http://schemas.microsoft.com/office/drawing/2014/main" id="{8713E4A6-EFA5-9141-BA3D-CFB0FD6942A1}"/>
+              </a:ext>
+            </a:extLst>
+          </p:cNvPr>
+          <p:cNvPicPr>
+            <a:picLocks noChangeAspect="1"/>
+          </p:cNvPicPr>
+          <p:nvPr/>
+        </p:nvPicPr>
+        <p:blipFill>
+          <a:blip r:embed="rId4">
+            <a:extLst>
+              <a:ext uri="{96DAC541-7B7A-43D3-8B79-37D633B846F1}">
+                <asvg:svgBlip xmlns:asvg="http://schemas.microsoft.com/office/drawing/2016/SVG/main" r:embed="rId5"/>
+              </a:ext>
+            </a:extLst>
+          </a:blip>
+          <a:stretch>
+            <a:fillRect/>
+          </a:stretch>
+        </p:blipFill>
+        <p:spPr>
+          <a:xfrm>
+            <a:off x="7576895" y="2949072"/>
+            <a:ext cx="3054528" cy="2305304"/>
+          </a:xfrm>
+          <a:prstGeom prst="rect">
+            <a:avLst/>
+          </a:prstGeom>
+        </p:spPr>
+      </p:pic>
+      <p:pic>
+        <p:nvPicPr>
+          <p:cNvPr id="12" name="Graphic 11">
+            <a:extLst>
+              <a:ext uri="{FF2B5EF4-FFF2-40B4-BE49-F238E27FC236}">
+                <a16:creationId xmlns:a16="http://schemas.microsoft.com/office/drawing/2014/main" id="{7E75CE6C-567D-3D4E-B051-33F512BB8D0B}"/>
+              </a:ext>
+            </a:extLst>
+          </p:cNvPr>
+          <p:cNvPicPr>
+            <a:picLocks noChangeAspect="1"/>
+          </p:cNvPicPr>
+          <p:nvPr/>
+        </p:nvPicPr>
+        <p:blipFill>
+          <a:blip r:embed="rId6">
+            <a:extLst>
+              <a:ext uri="{96DAC541-7B7A-43D3-8B79-37D633B846F1}">
+                <asvg:svgBlip xmlns:asvg="http://schemas.microsoft.com/office/drawing/2016/SVG/main" r:embed="rId7"/>
+              </a:ext>
+            </a:extLst>
+          </a:blip>
+          <a:stretch>
+            <a:fillRect/>
+          </a:stretch>
+        </p:blipFill>
+        <p:spPr>
+          <a:xfrm>
+            <a:off x="715600" y="2949071"/>
+            <a:ext cx="3054529" cy="2305305"/>
+          </a:xfrm>
+          <a:prstGeom prst="rect">
+            <a:avLst/>
+          </a:prstGeom>
+        </p:spPr>
+      </p:pic>
     </p:spTree>
     <p:extLst>
       <p:ext uri="{BB962C8B-B14F-4D97-AF65-F5344CB8AC3E}">
@@ -5405,624 +4798,6 @@
     <p:extLst>
       <p:ext uri="{BB962C8B-B14F-4D97-AF65-F5344CB8AC3E}">
         <p14:creationId xmlns:p14="http://schemas.microsoft.com/office/powerpoint/2010/main" val="1639620137"/>
-      </p:ext>
-    </p:extLst>
-  </p:cSld>
-  <p:clrMapOvr>
-    <a:masterClrMapping/>
-  </p:clrMapOvr>
-</p:sld>
-</file>
-
-<file path=ppt/slides/slide6.xml><?xml version="1.0" encoding="utf-8"?>
-<p:sld xmlns:a="http://schemas.openxmlformats.org/drawingml/2006/main" xmlns:r="http://schemas.openxmlformats.org/officeDocument/2006/relationships" xmlns:p="http://schemas.openxmlformats.org/presentationml/2006/main">
-  <p:cSld>
-    <p:spTree>
-      <p:nvGrpSpPr>
-        <p:cNvPr id="1" name=""/>
-        <p:cNvGrpSpPr/>
-        <p:nvPr/>
-      </p:nvGrpSpPr>
-      <p:grpSpPr>
-        <a:xfrm>
-          <a:off x="0" y="0"/>
-          <a:ext cx="0" cy="0"/>
-          <a:chOff x="0" y="0"/>
-          <a:chExt cx="0" cy="0"/>
-        </a:xfrm>
-      </p:grpSpPr>
-      <p:sp>
-        <p:nvSpPr>
-          <p:cNvPr id="2" name="TextBox 1">
-            <a:extLst>
-              <a:ext uri="{FF2B5EF4-FFF2-40B4-BE49-F238E27FC236}">
-                <a16:creationId xmlns:a16="http://schemas.microsoft.com/office/drawing/2014/main" id="{0E21B0CC-E320-C545-AC9D-C9C855C4A0D9}"/>
-              </a:ext>
-            </a:extLst>
-          </p:cNvPr>
-          <p:cNvSpPr txBox="1"/>
-          <p:nvPr/>
-        </p:nvSpPr>
-        <p:spPr>
-          <a:xfrm>
-            <a:off x="743712" y="609600"/>
-            <a:ext cx="5779146" cy="1815882"/>
-          </a:xfrm>
-          <a:prstGeom prst="rect">
-            <a:avLst/>
-          </a:prstGeom>
-          <a:noFill/>
-        </p:spPr>
-        <p:txBody>
-          <a:bodyPr wrap="none" rtlCol="0">
-            <a:spAutoFit/>
-          </a:bodyPr>
-          <a:lstStyle/>
-          <a:p>
-            <a:pPr algn="l"/>
-            <a:r>
-              <a:rPr lang="en-US" sz="1600" dirty="0">
-                <a:latin typeface="CMU Serif Roman" panose="02000603000000000000" pitchFamily="2" charset="0"/>
-                <a:ea typeface="CMU Serif Roman" panose="02000603000000000000" pitchFamily="2" charset="0"/>
-                <a:cs typeface="CMU Serif Roman" panose="02000603000000000000" pitchFamily="2" charset="0"/>
-              </a:rPr>
-              <a:t>Protein allostery</a:t>
-            </a:r>
-          </a:p>
-          <a:p>
-            <a:pPr algn="l"/>
-            <a:endParaRPr lang="en-US" sz="1600" dirty="0">
-              <a:latin typeface="CMU Serif Roman" panose="02000603000000000000" pitchFamily="2" charset="0"/>
-              <a:ea typeface="CMU Serif Roman" panose="02000603000000000000" pitchFamily="2" charset="0"/>
-              <a:cs typeface="CMU Serif Roman" panose="02000603000000000000" pitchFamily="2" charset="0"/>
-            </a:endParaRPr>
-          </a:p>
-          <a:p>
-            <a:pPr algn="l"/>
-            <a:r>
-              <a:rPr lang="en-US" sz="1600" dirty="0">
-                <a:latin typeface="CMU Serif Roman" panose="02000603000000000000" pitchFamily="2" charset="0"/>
-                <a:ea typeface="CMU Serif Roman" panose="02000603000000000000" pitchFamily="2" charset="0"/>
-                <a:cs typeface="CMU Serif Roman" panose="02000603000000000000" pitchFamily="2" charset="0"/>
-              </a:rPr>
-              <a:t>What it is</a:t>
-            </a:r>
-          </a:p>
-          <a:p>
-            <a:pPr algn="l"/>
-            <a:endParaRPr lang="en-US" sz="1600" dirty="0">
-              <a:latin typeface="CMU Serif Roman" panose="02000603000000000000" pitchFamily="2" charset="0"/>
-              <a:ea typeface="CMU Serif Roman" panose="02000603000000000000" pitchFamily="2" charset="0"/>
-              <a:cs typeface="CMU Serif Roman" panose="02000603000000000000" pitchFamily="2" charset="0"/>
-            </a:endParaRPr>
-          </a:p>
-          <a:p>
-            <a:pPr algn="l"/>
-            <a:r>
-              <a:rPr lang="en-US" sz="1600" dirty="0">
-                <a:latin typeface="CMU Serif Roman" panose="02000603000000000000" pitchFamily="2" charset="0"/>
-                <a:ea typeface="CMU Serif Roman" panose="02000603000000000000" pitchFamily="2" charset="0"/>
-                <a:cs typeface="CMU Serif Roman" panose="02000603000000000000" pitchFamily="2" charset="0"/>
-              </a:rPr>
-              <a:t>How people think about it</a:t>
-            </a:r>
-          </a:p>
-          <a:p>
-            <a:pPr algn="l"/>
-            <a:endParaRPr lang="en-US" sz="1600" dirty="0">
-              <a:latin typeface="CMU Serif Roman" panose="02000603000000000000" pitchFamily="2" charset="0"/>
-              <a:ea typeface="CMU Serif Roman" panose="02000603000000000000" pitchFamily="2" charset="0"/>
-              <a:cs typeface="CMU Serif Roman" panose="02000603000000000000" pitchFamily="2" charset="0"/>
-            </a:endParaRPr>
-          </a:p>
-          <a:p>
-            <a:pPr algn="l"/>
-            <a:r>
-              <a:rPr lang="en-US" sz="1600" dirty="0">
-                <a:latin typeface="CMU Serif Roman" panose="02000603000000000000" pitchFamily="2" charset="0"/>
-                <a:ea typeface="CMU Serif Roman" panose="02000603000000000000" pitchFamily="2" charset="0"/>
-                <a:cs typeface="CMU Serif Roman" panose="02000603000000000000" pitchFamily="2" charset="0"/>
-              </a:rPr>
-              <a:t>Why there is a need to used physical models to understand it.</a:t>
-            </a:r>
-          </a:p>
-        </p:txBody>
-      </p:sp>
-    </p:spTree>
-    <p:extLst>
-      <p:ext uri="{BB962C8B-B14F-4D97-AF65-F5344CB8AC3E}">
-        <p14:creationId xmlns:p14="http://schemas.microsoft.com/office/powerpoint/2010/main" val="202113635"/>
-      </p:ext>
-    </p:extLst>
-  </p:cSld>
-  <p:clrMapOvr>
-    <a:masterClrMapping/>
-  </p:clrMapOvr>
-</p:sld>
-</file>
-
-<file path=ppt/slides/slide7.xml><?xml version="1.0" encoding="utf-8"?>
-<p:sld xmlns:a="http://schemas.openxmlformats.org/drawingml/2006/main" xmlns:r="http://schemas.openxmlformats.org/officeDocument/2006/relationships" xmlns:p="http://schemas.openxmlformats.org/presentationml/2006/main">
-  <p:cSld>
-    <p:spTree>
-      <p:nvGrpSpPr>
-        <p:cNvPr id="1" name=""/>
-        <p:cNvGrpSpPr/>
-        <p:nvPr/>
-      </p:nvGrpSpPr>
-      <p:grpSpPr>
-        <a:xfrm>
-          <a:off x="0" y="0"/>
-          <a:ext cx="0" cy="0"/>
-          <a:chOff x="0" y="0"/>
-          <a:chExt cx="0" cy="0"/>
-        </a:xfrm>
-      </p:grpSpPr>
-      <p:sp>
-        <p:nvSpPr>
-          <p:cNvPr id="2" name="TextBox 1">
-            <a:extLst>
-              <a:ext uri="{FF2B5EF4-FFF2-40B4-BE49-F238E27FC236}">
-                <a16:creationId xmlns:a16="http://schemas.microsoft.com/office/drawing/2014/main" id="{D5C8C6CD-63AD-E74F-80AA-3219512BBDCD}"/>
-              </a:ext>
-            </a:extLst>
-          </p:cNvPr>
-          <p:cNvSpPr txBox="1"/>
-          <p:nvPr/>
-        </p:nvSpPr>
-        <p:spPr>
-          <a:xfrm>
-            <a:off x="573024" y="438912"/>
-            <a:ext cx="3068469" cy="1815882"/>
-          </a:xfrm>
-          <a:prstGeom prst="rect">
-            <a:avLst/>
-          </a:prstGeom>
-          <a:noFill/>
-        </p:spPr>
-        <p:txBody>
-          <a:bodyPr wrap="none" rtlCol="0">
-            <a:spAutoFit/>
-          </a:bodyPr>
-          <a:lstStyle/>
-          <a:p>
-            <a:pPr algn="l"/>
-            <a:r>
-              <a:rPr lang="en-US" sz="1600" dirty="0">
-                <a:latin typeface="CMU Serif Roman" panose="02000603000000000000" pitchFamily="2" charset="0"/>
-                <a:ea typeface="CMU Serif Roman" panose="02000603000000000000" pitchFamily="2" charset="0"/>
-                <a:cs typeface="CMU Serif Roman" panose="02000603000000000000" pitchFamily="2" charset="0"/>
-              </a:rPr>
-              <a:t>The elastic network of a protein</a:t>
-            </a:r>
-          </a:p>
-          <a:p>
-            <a:pPr algn="l"/>
-            <a:endParaRPr lang="en-US" sz="1600" dirty="0">
-              <a:latin typeface="CMU Serif Roman" panose="02000603000000000000" pitchFamily="2" charset="0"/>
-              <a:ea typeface="CMU Serif Roman" panose="02000603000000000000" pitchFamily="2" charset="0"/>
-              <a:cs typeface="CMU Serif Roman" panose="02000603000000000000" pitchFamily="2" charset="0"/>
-            </a:endParaRPr>
-          </a:p>
-          <a:p>
-            <a:pPr algn="l"/>
-            <a:r>
-              <a:rPr lang="en-US" sz="1600" dirty="0">
-                <a:latin typeface="CMU Serif Roman" panose="02000603000000000000" pitchFamily="2" charset="0"/>
-                <a:ea typeface="CMU Serif Roman" panose="02000603000000000000" pitchFamily="2" charset="0"/>
-                <a:cs typeface="CMU Serif Roman" panose="02000603000000000000" pitchFamily="2" charset="0"/>
-              </a:rPr>
-              <a:t>What is it</a:t>
-            </a:r>
-          </a:p>
-          <a:p>
-            <a:pPr algn="l"/>
-            <a:r>
-              <a:rPr lang="en-US" sz="1600" dirty="0">
-                <a:latin typeface="CMU Serif Roman" panose="02000603000000000000" pitchFamily="2" charset="0"/>
-                <a:ea typeface="CMU Serif Roman" panose="02000603000000000000" pitchFamily="2" charset="0"/>
-                <a:cs typeface="CMU Serif Roman" panose="02000603000000000000" pitchFamily="2" charset="0"/>
-              </a:rPr>
-              <a:t>History</a:t>
-            </a:r>
-          </a:p>
-          <a:p>
-            <a:pPr algn="l"/>
-            <a:r>
-              <a:rPr lang="en-US" sz="1600" dirty="0">
-                <a:latin typeface="CMU Serif Roman" panose="02000603000000000000" pitchFamily="2" charset="0"/>
-                <a:ea typeface="CMU Serif Roman" panose="02000603000000000000" pitchFamily="2" charset="0"/>
-                <a:cs typeface="CMU Serif Roman" panose="02000603000000000000" pitchFamily="2" charset="0"/>
-              </a:rPr>
-              <a:t>What is was meant </a:t>
-            </a:r>
-            <a:r>
-              <a:rPr lang="en-US" sz="1600" dirty="0" err="1">
-                <a:latin typeface="CMU Serif Roman" panose="02000603000000000000" pitchFamily="2" charset="0"/>
-                <a:ea typeface="CMU Serif Roman" panose="02000603000000000000" pitchFamily="2" charset="0"/>
-                <a:cs typeface="CMU Serif Roman" panose="02000603000000000000" pitchFamily="2" charset="0"/>
-              </a:rPr>
-              <a:t>todo</a:t>
-            </a:r>
-            <a:r>
-              <a:rPr lang="en-US" sz="1600" dirty="0">
-                <a:latin typeface="CMU Serif Roman" panose="02000603000000000000" pitchFamily="2" charset="0"/>
-                <a:ea typeface="CMU Serif Roman" panose="02000603000000000000" pitchFamily="2" charset="0"/>
-                <a:cs typeface="CMU Serif Roman" panose="02000603000000000000" pitchFamily="2" charset="0"/>
-              </a:rPr>
-              <a:t>.</a:t>
-            </a:r>
-          </a:p>
-          <a:p>
-            <a:pPr algn="l"/>
-            <a:endParaRPr lang="en-US" sz="1600" dirty="0">
-              <a:latin typeface="CMU Serif Roman" panose="02000603000000000000" pitchFamily="2" charset="0"/>
-              <a:ea typeface="CMU Serif Roman" panose="02000603000000000000" pitchFamily="2" charset="0"/>
-              <a:cs typeface="CMU Serif Roman" panose="02000603000000000000" pitchFamily="2" charset="0"/>
-            </a:endParaRPr>
-          </a:p>
-          <a:p>
-            <a:pPr algn="l"/>
-            <a:endParaRPr lang="en-US" sz="1600" dirty="0">
-              <a:latin typeface="CMU Serif Roman" panose="02000603000000000000" pitchFamily="2" charset="0"/>
-              <a:ea typeface="CMU Serif Roman" panose="02000603000000000000" pitchFamily="2" charset="0"/>
-              <a:cs typeface="CMU Serif Roman" panose="02000603000000000000" pitchFamily="2" charset="0"/>
-            </a:endParaRPr>
-          </a:p>
-        </p:txBody>
-      </p:sp>
-    </p:spTree>
-    <p:extLst>
-      <p:ext uri="{BB962C8B-B14F-4D97-AF65-F5344CB8AC3E}">
-        <p14:creationId xmlns:p14="http://schemas.microsoft.com/office/powerpoint/2010/main" val="3129275207"/>
-      </p:ext>
-    </p:extLst>
-  </p:cSld>
-  <p:clrMapOvr>
-    <a:masterClrMapping/>
-  </p:clrMapOvr>
-</p:sld>
-</file>
-
-<file path=ppt/slides/slide8.xml><?xml version="1.0" encoding="utf-8"?>
-<p:sld xmlns:a="http://schemas.openxmlformats.org/drawingml/2006/main" xmlns:r="http://schemas.openxmlformats.org/officeDocument/2006/relationships" xmlns:p="http://schemas.openxmlformats.org/presentationml/2006/main">
-  <p:cSld>
-    <p:spTree>
-      <p:nvGrpSpPr>
-        <p:cNvPr id="1" name=""/>
-        <p:cNvGrpSpPr/>
-        <p:nvPr/>
-      </p:nvGrpSpPr>
-      <p:grpSpPr>
-        <a:xfrm>
-          <a:off x="0" y="0"/>
-          <a:ext cx="0" cy="0"/>
-          <a:chOff x="0" y="0"/>
-          <a:chExt cx="0" cy="0"/>
-        </a:xfrm>
-      </p:grpSpPr>
-      <p:sp>
-        <p:nvSpPr>
-          <p:cNvPr id="3" name="TextBox 2">
-            <a:extLst>
-              <a:ext uri="{FF2B5EF4-FFF2-40B4-BE49-F238E27FC236}">
-                <a16:creationId xmlns:a16="http://schemas.microsoft.com/office/drawing/2014/main" id="{F1273F41-4B3B-144B-A23F-6D003DB8DC4D}"/>
-              </a:ext>
-            </a:extLst>
-          </p:cNvPr>
-          <p:cNvSpPr txBox="1"/>
-          <p:nvPr/>
-        </p:nvSpPr>
-        <p:spPr>
-          <a:xfrm>
-            <a:off x="597408" y="512064"/>
-            <a:ext cx="7252306" cy="4524315"/>
-          </a:xfrm>
-          <a:prstGeom prst="rect">
-            <a:avLst/>
-          </a:prstGeom>
-          <a:noFill/>
-        </p:spPr>
-        <p:txBody>
-          <a:bodyPr wrap="none" rtlCol="0">
-            <a:spAutoFit/>
-          </a:bodyPr>
-          <a:lstStyle/>
-          <a:p>
-            <a:pPr algn="l"/>
-            <a:r>
-              <a:rPr lang="en-US" sz="1600" dirty="0">
-                <a:latin typeface="CMU Serif Roman" panose="02000603000000000000" pitchFamily="2" charset="0"/>
-                <a:ea typeface="CMU Serif Roman" panose="02000603000000000000" pitchFamily="2" charset="0"/>
-                <a:cs typeface="CMU Serif Roman" panose="02000603000000000000" pitchFamily="2" charset="0"/>
-              </a:rPr>
-              <a:t>Normal model analysis</a:t>
-            </a:r>
-          </a:p>
-          <a:p>
-            <a:pPr algn="l"/>
-            <a:endParaRPr lang="en-US" sz="1600" dirty="0">
-              <a:latin typeface="CMU Serif Roman" panose="02000603000000000000" pitchFamily="2" charset="0"/>
-              <a:ea typeface="CMU Serif Roman" panose="02000603000000000000" pitchFamily="2" charset="0"/>
-              <a:cs typeface="CMU Serif Roman" panose="02000603000000000000" pitchFamily="2" charset="0"/>
-            </a:endParaRPr>
-          </a:p>
-          <a:p>
-            <a:pPr algn="l"/>
-            <a:r>
-              <a:rPr lang="en-US" sz="1600" dirty="0">
-                <a:latin typeface="CMU Serif Roman" panose="02000603000000000000" pitchFamily="2" charset="0"/>
-                <a:ea typeface="CMU Serif Roman" panose="02000603000000000000" pitchFamily="2" charset="0"/>
-                <a:cs typeface="CMU Serif Roman" panose="02000603000000000000" pitchFamily="2" charset="0"/>
-              </a:rPr>
-              <a:t>For an elastic network you can compute its motions in finite number of modes</a:t>
-            </a:r>
-          </a:p>
-          <a:p>
-            <a:pPr algn="l"/>
-            <a:endParaRPr lang="en-US" sz="1600" dirty="0">
-              <a:latin typeface="CMU Serif Roman" panose="02000603000000000000" pitchFamily="2" charset="0"/>
-              <a:ea typeface="CMU Serif Roman" panose="02000603000000000000" pitchFamily="2" charset="0"/>
-              <a:cs typeface="CMU Serif Roman" panose="02000603000000000000" pitchFamily="2" charset="0"/>
-            </a:endParaRPr>
-          </a:p>
-          <a:p>
-            <a:pPr algn="l"/>
-            <a:r>
-              <a:rPr lang="en-US" sz="1600" dirty="0">
-                <a:latin typeface="CMU Serif Roman" panose="02000603000000000000" pitchFamily="2" charset="0"/>
-                <a:ea typeface="CMU Serif Roman" panose="02000603000000000000" pitchFamily="2" charset="0"/>
-                <a:cs typeface="CMU Serif Roman" panose="02000603000000000000" pitchFamily="2" charset="0"/>
-              </a:rPr>
-              <a:t>And you can measure how stiff that mode is.</a:t>
-            </a:r>
-          </a:p>
-          <a:p>
-            <a:pPr algn="l"/>
-            <a:endParaRPr lang="en-US" sz="1600" dirty="0">
-              <a:latin typeface="CMU Serif Roman" panose="02000603000000000000" pitchFamily="2" charset="0"/>
-              <a:ea typeface="CMU Serif Roman" panose="02000603000000000000" pitchFamily="2" charset="0"/>
-              <a:cs typeface="CMU Serif Roman" panose="02000603000000000000" pitchFamily="2" charset="0"/>
-            </a:endParaRPr>
-          </a:p>
-          <a:p>
-            <a:pPr algn="l"/>
-            <a:endParaRPr lang="en-US" sz="1600" dirty="0">
-              <a:latin typeface="CMU Serif Roman" panose="02000603000000000000" pitchFamily="2" charset="0"/>
-              <a:ea typeface="CMU Serif Roman" panose="02000603000000000000" pitchFamily="2" charset="0"/>
-              <a:cs typeface="CMU Serif Roman" panose="02000603000000000000" pitchFamily="2" charset="0"/>
-            </a:endParaRPr>
-          </a:p>
-          <a:p>
-            <a:pPr algn="l"/>
-            <a:endParaRPr lang="en-US" sz="1600" dirty="0">
-              <a:latin typeface="CMU Serif Roman" panose="02000603000000000000" pitchFamily="2" charset="0"/>
-              <a:ea typeface="CMU Serif Roman" panose="02000603000000000000" pitchFamily="2" charset="0"/>
-              <a:cs typeface="CMU Serif Roman" panose="02000603000000000000" pitchFamily="2" charset="0"/>
-            </a:endParaRPr>
-          </a:p>
-          <a:p>
-            <a:pPr algn="l"/>
-            <a:r>
-              <a:rPr lang="en-US" sz="1600" dirty="0">
-                <a:latin typeface="CMU Serif Roman" panose="02000603000000000000" pitchFamily="2" charset="0"/>
-                <a:ea typeface="CMU Serif Roman" panose="02000603000000000000" pitchFamily="2" charset="0"/>
-                <a:cs typeface="CMU Serif Roman" panose="02000603000000000000" pitchFamily="2" charset="0"/>
-              </a:rPr>
-              <a:t>Write the energy of an elastic network</a:t>
-            </a:r>
-          </a:p>
-          <a:p>
-            <a:pPr algn="l"/>
-            <a:endParaRPr lang="en-US" sz="1600" dirty="0">
-              <a:latin typeface="CMU Serif Roman" panose="02000603000000000000" pitchFamily="2" charset="0"/>
-              <a:ea typeface="CMU Serif Roman" panose="02000603000000000000" pitchFamily="2" charset="0"/>
-              <a:cs typeface="CMU Serif Roman" panose="02000603000000000000" pitchFamily="2" charset="0"/>
-            </a:endParaRPr>
-          </a:p>
-          <a:p>
-            <a:pPr algn="l"/>
-            <a:r>
-              <a:rPr lang="en-US" sz="1600" dirty="0">
-                <a:latin typeface="CMU Serif Roman" panose="02000603000000000000" pitchFamily="2" charset="0"/>
-                <a:ea typeface="CMU Serif Roman" panose="02000603000000000000" pitchFamily="2" charset="0"/>
-                <a:cs typeface="CMU Serif Roman" panose="02000603000000000000" pitchFamily="2" charset="0"/>
-              </a:rPr>
-              <a:t>Write the second order </a:t>
-            </a:r>
-            <a:r>
-              <a:rPr lang="en-US" sz="1600" dirty="0" err="1">
-                <a:latin typeface="CMU Serif Roman" panose="02000603000000000000" pitchFamily="2" charset="0"/>
-                <a:ea typeface="CMU Serif Roman" panose="02000603000000000000" pitchFamily="2" charset="0"/>
-                <a:cs typeface="CMU Serif Roman" panose="02000603000000000000" pitchFamily="2" charset="0"/>
-              </a:rPr>
-              <a:t>expantion</a:t>
-            </a:r>
-            <a:r>
-              <a:rPr lang="en-US" sz="1600" dirty="0">
-                <a:latin typeface="CMU Serif Roman" panose="02000603000000000000" pitchFamily="2" charset="0"/>
-                <a:ea typeface="CMU Serif Roman" panose="02000603000000000000" pitchFamily="2" charset="0"/>
-                <a:cs typeface="CMU Serif Roman" panose="02000603000000000000" pitchFamily="2" charset="0"/>
-              </a:rPr>
-              <a:t> of the energy.</a:t>
-            </a:r>
-          </a:p>
-          <a:p>
-            <a:pPr algn="l"/>
-            <a:endParaRPr lang="en-US" sz="1600" dirty="0">
-              <a:latin typeface="CMU Serif Roman" panose="02000603000000000000" pitchFamily="2" charset="0"/>
-              <a:ea typeface="CMU Serif Roman" panose="02000603000000000000" pitchFamily="2" charset="0"/>
-              <a:cs typeface="CMU Serif Roman" panose="02000603000000000000" pitchFamily="2" charset="0"/>
-            </a:endParaRPr>
-          </a:p>
-          <a:p>
-            <a:pPr algn="l"/>
-            <a:r>
-              <a:rPr lang="en-US" sz="1600" dirty="0">
-                <a:latin typeface="CMU Serif Roman" panose="02000603000000000000" pitchFamily="2" charset="0"/>
-                <a:ea typeface="CMU Serif Roman" panose="02000603000000000000" pitchFamily="2" charset="0"/>
-                <a:cs typeface="CMU Serif Roman" panose="02000603000000000000" pitchFamily="2" charset="0"/>
-              </a:rPr>
-              <a:t>Look at the matrix and describe some of its features</a:t>
-            </a:r>
-          </a:p>
-          <a:p>
-            <a:pPr algn="l"/>
-            <a:endParaRPr lang="en-US" sz="1600" dirty="0">
-              <a:latin typeface="CMU Serif Roman" panose="02000603000000000000" pitchFamily="2" charset="0"/>
-              <a:ea typeface="CMU Serif Roman" panose="02000603000000000000" pitchFamily="2" charset="0"/>
-              <a:cs typeface="CMU Serif Roman" panose="02000603000000000000" pitchFamily="2" charset="0"/>
-            </a:endParaRPr>
-          </a:p>
-          <a:p>
-            <a:pPr algn="l"/>
-            <a:r>
-              <a:rPr lang="en-US" sz="1600" dirty="0">
-                <a:latin typeface="CMU Serif Roman" panose="02000603000000000000" pitchFamily="2" charset="0"/>
-                <a:ea typeface="CMU Serif Roman" panose="02000603000000000000" pitchFamily="2" charset="0"/>
-                <a:cs typeface="CMU Serif Roman" panose="02000603000000000000" pitchFamily="2" charset="0"/>
-              </a:rPr>
-              <a:t>Diagonalize the matrix</a:t>
-            </a:r>
-          </a:p>
-          <a:p>
-            <a:pPr algn="l"/>
-            <a:endParaRPr lang="en-US" sz="1600" dirty="0">
-              <a:latin typeface="CMU Serif Roman" panose="02000603000000000000" pitchFamily="2" charset="0"/>
-              <a:ea typeface="CMU Serif Roman" panose="02000603000000000000" pitchFamily="2" charset="0"/>
-              <a:cs typeface="CMU Serif Roman" panose="02000603000000000000" pitchFamily="2" charset="0"/>
-            </a:endParaRPr>
-          </a:p>
-          <a:p>
-            <a:pPr algn="l"/>
-            <a:r>
-              <a:rPr lang="en-US" sz="1600" dirty="0">
-                <a:latin typeface="CMU Serif Roman" panose="02000603000000000000" pitchFamily="2" charset="0"/>
-                <a:ea typeface="CMU Serif Roman" panose="02000603000000000000" pitchFamily="2" charset="0"/>
-                <a:cs typeface="CMU Serif Roman" panose="02000603000000000000" pitchFamily="2" charset="0"/>
-              </a:rPr>
-              <a:t>And get the eigen modes and eigen values.</a:t>
-            </a:r>
-          </a:p>
-          <a:p>
-            <a:pPr algn="l"/>
-            <a:endParaRPr lang="en-US" sz="1600" dirty="0">
-              <a:latin typeface="CMU Serif Roman" panose="02000603000000000000" pitchFamily="2" charset="0"/>
-              <a:ea typeface="CMU Serif Roman" panose="02000603000000000000" pitchFamily="2" charset="0"/>
-              <a:cs typeface="CMU Serif Roman" panose="02000603000000000000" pitchFamily="2" charset="0"/>
-            </a:endParaRPr>
-          </a:p>
-        </p:txBody>
-      </p:sp>
-    </p:spTree>
-    <p:extLst>
-      <p:ext uri="{BB962C8B-B14F-4D97-AF65-F5344CB8AC3E}">
-        <p14:creationId xmlns:p14="http://schemas.microsoft.com/office/powerpoint/2010/main" val="2330919833"/>
-      </p:ext>
-    </p:extLst>
-  </p:cSld>
-  <p:clrMapOvr>
-    <a:masterClrMapping/>
-  </p:clrMapOvr>
-</p:sld>
-</file>
-
-<file path=ppt/slides/slide9.xml><?xml version="1.0" encoding="utf-8"?>
-<p:sld xmlns:a="http://schemas.openxmlformats.org/drawingml/2006/main" xmlns:r="http://schemas.openxmlformats.org/officeDocument/2006/relationships" xmlns:p="http://schemas.openxmlformats.org/presentationml/2006/main">
-  <p:cSld>
-    <p:spTree>
-      <p:nvGrpSpPr>
-        <p:cNvPr id="1" name=""/>
-        <p:cNvGrpSpPr/>
-        <p:nvPr/>
-      </p:nvGrpSpPr>
-      <p:grpSpPr>
-        <a:xfrm>
-          <a:off x="0" y="0"/>
-          <a:ext cx="0" cy="0"/>
-          <a:chOff x="0" y="0"/>
-          <a:chExt cx="0" cy="0"/>
-        </a:xfrm>
-      </p:grpSpPr>
-      <p:sp>
-        <p:nvSpPr>
-          <p:cNvPr id="2" name="TextBox 1">
-            <a:extLst>
-              <a:ext uri="{FF2B5EF4-FFF2-40B4-BE49-F238E27FC236}">
-                <a16:creationId xmlns:a16="http://schemas.microsoft.com/office/drawing/2014/main" id="{72D13226-1E99-A04A-95F6-63D5AC93D781}"/>
-              </a:ext>
-            </a:extLst>
-          </p:cNvPr>
-          <p:cNvSpPr txBox="1"/>
-          <p:nvPr/>
-        </p:nvSpPr>
-        <p:spPr>
-          <a:xfrm>
-            <a:off x="609600" y="341376"/>
-            <a:ext cx="4546437" cy="1323439"/>
-          </a:xfrm>
-          <a:prstGeom prst="rect">
-            <a:avLst/>
-          </a:prstGeom>
-          <a:noFill/>
-        </p:spPr>
-        <p:txBody>
-          <a:bodyPr wrap="none" rtlCol="0">
-            <a:spAutoFit/>
-          </a:bodyPr>
-          <a:lstStyle/>
-          <a:p>
-            <a:pPr algn="l"/>
-            <a:r>
-              <a:rPr lang="en-US" sz="1600" dirty="0">
-                <a:latin typeface="CMU Serif Roman" panose="02000603000000000000" pitchFamily="2" charset="0"/>
-                <a:ea typeface="CMU Serif Roman" panose="02000603000000000000" pitchFamily="2" charset="0"/>
-                <a:cs typeface="CMU Serif Roman" panose="02000603000000000000" pitchFamily="2" charset="0"/>
-              </a:rPr>
-              <a:t>Visualizing these motions.</a:t>
-            </a:r>
-          </a:p>
-          <a:p>
-            <a:pPr algn="l"/>
-            <a:endParaRPr lang="en-US" sz="1600" dirty="0">
-              <a:latin typeface="CMU Serif Roman" panose="02000603000000000000" pitchFamily="2" charset="0"/>
-              <a:ea typeface="CMU Serif Roman" panose="02000603000000000000" pitchFamily="2" charset="0"/>
-              <a:cs typeface="CMU Serif Roman" panose="02000603000000000000" pitchFamily="2" charset="0"/>
-            </a:endParaRPr>
-          </a:p>
-          <a:p>
-            <a:pPr algn="l"/>
-            <a:r>
-              <a:rPr lang="en-US" sz="1600" dirty="0">
-                <a:latin typeface="CMU Serif Roman" panose="02000603000000000000" pitchFamily="2" charset="0"/>
-                <a:ea typeface="CMU Serif Roman" panose="02000603000000000000" pitchFamily="2" charset="0"/>
-                <a:cs typeface="CMU Serif Roman" panose="02000603000000000000" pitchFamily="2" charset="0"/>
-              </a:rPr>
-              <a:t>Show different motions on a 2 d elastic network.</a:t>
-            </a:r>
-          </a:p>
-          <a:p>
-            <a:pPr algn="l"/>
-            <a:endParaRPr lang="en-US" sz="1600" dirty="0">
-              <a:latin typeface="CMU Serif Roman" panose="02000603000000000000" pitchFamily="2" charset="0"/>
-              <a:ea typeface="CMU Serif Roman" panose="02000603000000000000" pitchFamily="2" charset="0"/>
-              <a:cs typeface="CMU Serif Roman" panose="02000603000000000000" pitchFamily="2" charset="0"/>
-            </a:endParaRPr>
-          </a:p>
-          <a:p>
-            <a:pPr algn="l"/>
-            <a:endParaRPr lang="en-US" sz="1600" dirty="0">
-              <a:latin typeface="CMU Serif Roman" panose="02000603000000000000" pitchFamily="2" charset="0"/>
-              <a:ea typeface="CMU Serif Roman" panose="02000603000000000000" pitchFamily="2" charset="0"/>
-              <a:cs typeface="CMU Serif Roman" panose="02000603000000000000" pitchFamily="2" charset="0"/>
-            </a:endParaRPr>
-          </a:p>
-        </p:txBody>
-      </p:sp>
-    </p:spTree>
-    <p:extLst>
-      <p:ext uri="{BB962C8B-B14F-4D97-AF65-F5344CB8AC3E}">
-        <p14:creationId xmlns:p14="http://schemas.microsoft.com/office/powerpoint/2010/main" val="2466381995"/>
       </p:ext>
     </p:extLst>
   </p:cSld>
